--- a/Document/task_document.pptx
+++ b/Document/task_document.pptx
@@ -11,6 +11,7 @@
     <p:sldId id="260" r:id="rId5"/>
     <p:sldId id="259" r:id="rId6"/>
     <p:sldId id="261" r:id="rId7"/>
+    <p:sldId id="262" r:id="rId8"/>
   </p:sldIdLst>
   <p:sldSz cx="9144000" cy="6858000" type="screen4x3"/>
   <p:notesSz cx="6858000" cy="9144000"/>
@@ -4421,6 +4422,18 @@
               <a:rPr kumimoji="1" lang="en-US" altLang="ja-JP" sz="2400" dirty="0" err="1" smtClean="0">
                 <a:latin typeface="+mn-ea"/>
               </a:rPr>
+              <a:t>Bebras</a:t>
+            </a:r>
+            <a:r>
+              <a:rPr kumimoji="1" lang="en-US" altLang="ja-JP" sz="2400" dirty="0" smtClean="0">
+                <a:latin typeface="+mn-ea"/>
+              </a:rPr>
+              <a:t>-task/2015/</a:t>
+            </a:r>
+            <a:r>
+              <a:rPr kumimoji="1" lang="en-US" altLang="ja-JP" sz="2400" dirty="0" err="1" smtClean="0">
+                <a:latin typeface="+mn-ea"/>
+              </a:rPr>
               <a:t>choise_tmp</a:t>
             </a:r>
             <a:r>
@@ -4751,8 +4764,8 @@
         </p:nvSpPr>
         <p:spPr>
           <a:xfrm>
-            <a:off x="457199" y="1775191"/>
-            <a:ext cx="8336501" cy="4625609"/>
+            <a:off x="262293" y="1775191"/>
+            <a:ext cx="8710872" cy="4625609"/>
           </a:xfrm>
         </p:spPr>
         <p:txBody>
@@ -4820,16 +4833,16 @@
               <a:t>4</a:t>
             </a:r>
             <a:r>
-              <a:rPr kumimoji="1" lang="ja-JP" altLang="en-US" sz="2000" dirty="0" smtClean="0">
-                <a:latin typeface="+mn-ea"/>
-              </a:rPr>
-              <a:t>で</a:t>
+              <a:rPr lang="ja-JP" altLang="en-US" sz="2000" dirty="0" smtClean="0">
+                <a:latin typeface="+mn-ea"/>
+              </a:rPr>
+              <a:t>,見やすいように</a:t>
             </a:r>
             <a:r>
               <a:rPr kumimoji="1" lang="en-US" altLang="ja-JP" sz="2000" dirty="0" smtClean="0">
                 <a:latin typeface="+mn-ea"/>
               </a:rPr>
-              <a:t>ok)</a:t>
+              <a:t>)</a:t>
             </a:r>
           </a:p>
           <a:p>
@@ -4932,6 +4945,54 @@
                 <a:latin typeface="+mn-ea"/>
               </a:rPr>
               <a:t>以降をフォルダ名にする</a:t>
+            </a:r>
+            <a:endParaRPr lang="en-US" altLang="ja-JP" sz="2000" dirty="0" smtClean="0">
+              <a:latin typeface="+mn-ea"/>
+            </a:endParaRPr>
+          </a:p>
+          <a:p>
+            <a:pPr lvl="1"/>
+            <a:endParaRPr kumimoji="1" lang="en-US" altLang="ja-JP" sz="2000" dirty="0">
+              <a:latin typeface="+mn-ea"/>
+            </a:endParaRPr>
+          </a:p>
+          <a:p>
+            <a:pPr lvl="1"/>
+            <a:r>
+              <a:rPr lang="ja-JP" altLang="en-US" sz="2000" dirty="0" smtClean="0">
+                <a:latin typeface="+mn-ea"/>
+              </a:rPr>
+              <a:t>引数</a:t>
+            </a:r>
+            <a:r>
+              <a:rPr lang="en-US" altLang="ja-JP" sz="2000" dirty="0" smtClean="0">
+                <a:latin typeface="+mn-ea"/>
+              </a:rPr>
+              <a:t>5 : true</a:t>
+            </a:r>
+            <a:r>
+              <a:rPr lang="ja-JP" altLang="en-US" sz="2000" dirty="0" smtClean="0">
+                <a:latin typeface="+mn-ea"/>
+              </a:rPr>
+              <a:t>を入れると、コンテストにした時選択肢がランダムにならなくなる</a:t>
+            </a:r>
+            <a:r>
+              <a:rPr lang="en-US" altLang="ja-JP" sz="2000" dirty="0" smtClean="0">
+                <a:latin typeface="+mn-ea"/>
+              </a:rPr>
+              <a:t>(</a:t>
+            </a:r>
+            <a:r>
+              <a:rPr lang="ja-JP" altLang="en-US" sz="2000" dirty="0" smtClean="0">
+                <a:latin typeface="+mn-ea"/>
+              </a:rPr>
+              <a:t>ランダムでいい時はいらない</a:t>
+            </a:r>
+            <a:r>
+              <a:rPr lang="en-US" altLang="ja-JP" sz="2000" dirty="0" smtClean="0">
+                <a:latin typeface="+mn-ea"/>
+              </a:rPr>
+              <a:t>)</a:t>
             </a:r>
             <a:endParaRPr kumimoji="1" lang="ja-JP" altLang="en-US" sz="2000" dirty="0">
               <a:latin typeface="+mn-ea"/>
@@ -5030,6 +5091,18 @@
               <a:rPr lang="en-US" altLang="ja-JP" sz="2400" dirty="0" err="1" smtClean="0">
                 <a:latin typeface="+mn-ea"/>
               </a:rPr>
+              <a:t>Bebras</a:t>
+            </a:r>
+            <a:r>
+              <a:rPr lang="en-US" altLang="ja-JP" sz="2400" dirty="0" smtClean="0">
+                <a:latin typeface="+mn-ea"/>
+              </a:rPr>
+              <a:t>-task/2015/</a:t>
+            </a:r>
+            <a:r>
+              <a:rPr lang="en-US" altLang="ja-JP" sz="2400" dirty="0" err="1" smtClean="0">
+                <a:latin typeface="+mn-ea"/>
+              </a:rPr>
               <a:t>free_input_tmp</a:t>
             </a:r>
             <a:r>
@@ -5540,7 +5613,7 @@
               <a:rPr lang="ja-JP" altLang="en-US" sz="2000" dirty="0" smtClean="0">
                 <a:latin typeface="+mn-ea"/>
               </a:rPr>
-              <a:t>そのまま</a:t>
+              <a:t>最大文字数</a:t>
             </a:r>
             <a:endParaRPr lang="en-US" altLang="ja-JP" sz="2000" dirty="0" smtClean="0">
               <a:latin typeface="+mn-ea"/>
@@ -5618,6 +5691,339 @@
     <p:extLst>
       <p:ext uri="{BB962C8B-B14F-4D97-AF65-F5344CB8AC3E}">
         <p14:creationId xmlns:p14="http://schemas.microsoft.com/office/powerpoint/2010/main" val="3706298577"/>
+      </p:ext>
+    </p:extLst>
+  </p:cSld>
+  <p:clrMapOvr>
+    <a:masterClrMapping/>
+  </p:clrMapOvr>
+</p:sld>
+</file>
+
+<file path=ppt/slides/slide7.xml><?xml version="1.0" encoding="utf-8"?>
+<p:sld xmlns:a="http://schemas.openxmlformats.org/drawingml/2006/main" xmlns:r="http://schemas.openxmlformats.org/officeDocument/2006/relationships" xmlns:p="http://schemas.openxmlformats.org/presentationml/2006/main">
+  <p:cSld>
+    <p:spTree>
+      <p:nvGrpSpPr>
+        <p:cNvPr id="1" name=""/>
+        <p:cNvGrpSpPr/>
+        <p:nvPr/>
+      </p:nvGrpSpPr>
+      <p:grpSpPr>
+        <a:xfrm>
+          <a:off x="0" y="0"/>
+          <a:ext cx="0" cy="0"/>
+          <a:chOff x="0" y="0"/>
+          <a:chExt cx="0" cy="0"/>
+        </a:xfrm>
+      </p:grpSpPr>
+      <p:sp>
+        <p:nvSpPr>
+          <p:cNvPr id="2" name="タイトル 1"/>
+          <p:cNvSpPr>
+            <a:spLocks noGrp="1"/>
+          </p:cNvSpPr>
+          <p:nvPr>
+            <p:ph type="title"/>
+          </p:nvPr>
+        </p:nvSpPr>
+        <p:spPr/>
+        <p:txBody>
+          <a:bodyPr/>
+          <a:lstStyle/>
+          <a:p>
+            <a:r>
+              <a:rPr kumimoji="1" lang="ja-JP" altLang="en-US" dirty="0" smtClean="0"/>
+              <a:t>解答確認</a:t>
+            </a:r>
+            <a:endParaRPr kumimoji="1" lang="ja-JP" altLang="en-US" dirty="0"/>
+          </a:p>
+        </p:txBody>
+      </p:sp>
+      <p:pic>
+        <p:nvPicPr>
+          <p:cNvPr id="8" name="コンテンツ プレースホルダー 7" descr="スクリーンショット 2015-11-26 0.45.22.png"/>
+          <p:cNvPicPr>
+            <a:picLocks noGrp="1" noChangeAspect="1"/>
+          </p:cNvPicPr>
+          <p:nvPr>
+            <p:ph idx="1"/>
+          </p:nvPr>
+        </p:nvPicPr>
+        <p:blipFill>
+          <a:blip r:embed="rId2">
+            <a:extLst>
+              <a:ext uri="{28A0092B-C50C-407E-A947-70E740481C1C}">
+                <a14:useLocalDpi xmlns:a14="http://schemas.microsoft.com/office/drawing/2010/main" val="0"/>
+              </a:ext>
+            </a:extLst>
+          </a:blip>
+          <a:srcRect t="-31361" b="-31361"/>
+          <a:stretch>
+            <a:fillRect/>
+          </a:stretch>
+        </p:blipFill>
+        <p:spPr>
+          <a:xfrm>
+            <a:off x="153495" y="2197801"/>
+            <a:ext cx="4402114" cy="2474295"/>
+          </a:xfrm>
+        </p:spPr>
+      </p:pic>
+      <p:pic>
+        <p:nvPicPr>
+          <p:cNvPr id="9" name="図 8" descr="スクリーンショット 2015-11-26 0.46.47.png"/>
+          <p:cNvPicPr>
+            <a:picLocks noChangeAspect="1"/>
+          </p:cNvPicPr>
+          <p:nvPr/>
+        </p:nvPicPr>
+        <p:blipFill>
+          <a:blip r:embed="rId3">
+            <a:extLst>
+              <a:ext uri="{28A0092B-C50C-407E-A947-70E740481C1C}">
+                <a14:useLocalDpi xmlns:a14="http://schemas.microsoft.com/office/drawing/2010/main" val="0"/>
+              </a:ext>
+            </a:extLst>
+          </a:blip>
+          <a:stretch>
+            <a:fillRect/>
+          </a:stretch>
+        </p:blipFill>
+        <p:spPr>
+          <a:xfrm>
+            <a:off x="4555609" y="2669243"/>
+            <a:ext cx="4379518" cy="1642319"/>
+          </a:xfrm>
+          <a:prstGeom prst="rect">
+            <a:avLst/>
+          </a:prstGeom>
+        </p:spPr>
+      </p:pic>
+      <p:sp>
+        <p:nvSpPr>
+          <p:cNvPr id="10" name="テキスト ボックス 9"/>
+          <p:cNvSpPr txBox="1"/>
+          <p:nvPr/>
+        </p:nvSpPr>
+        <p:spPr>
+          <a:xfrm>
+            <a:off x="277736" y="1844964"/>
+            <a:ext cx="8409063" cy="461665"/>
+          </a:xfrm>
+          <a:prstGeom prst="rect">
+            <a:avLst/>
+          </a:prstGeom>
+          <a:noFill/>
+        </p:spPr>
+        <p:txBody>
+          <a:bodyPr wrap="square" rtlCol="0">
+            <a:spAutoFit/>
+          </a:bodyPr>
+          <a:lstStyle/>
+          <a:p>
+            <a:pPr marL="285750" indent="-285750">
+              <a:buFont typeface="Arial"/>
+              <a:buChar char="•"/>
+            </a:pPr>
+            <a:r>
+              <a:rPr kumimoji="1" lang="ja-JP" altLang="en-US" sz="2400" dirty="0" smtClean="0"/>
+              <a:t>選択肢を選んだ際</a:t>
+            </a:r>
+            <a:r>
+              <a:rPr kumimoji="1" lang="en-US" altLang="ja-JP" sz="2400" dirty="0" smtClean="0"/>
+              <a:t>(</a:t>
+            </a:r>
+            <a:r>
+              <a:rPr kumimoji="1" lang="ja-JP" altLang="en-US" sz="2400" dirty="0" smtClean="0"/>
+              <a:t>文字を入れてボタンを押した際</a:t>
+            </a:r>
+            <a:r>
+              <a:rPr kumimoji="1" lang="en-US" altLang="ja-JP" sz="2400" dirty="0" smtClean="0"/>
+              <a:t>)</a:t>
+            </a:r>
+            <a:endParaRPr kumimoji="1" lang="ja-JP" altLang="en-US" sz="2400" dirty="0"/>
+          </a:p>
+        </p:txBody>
+      </p:sp>
+      <p:sp>
+        <p:nvSpPr>
+          <p:cNvPr id="11" name="上矢印 10"/>
+          <p:cNvSpPr/>
+          <p:nvPr/>
+        </p:nvSpPr>
+        <p:spPr>
+          <a:xfrm>
+            <a:off x="2063827" y="4542090"/>
+            <a:ext cx="621219" cy="593647"/>
+          </a:xfrm>
+          <a:prstGeom prst="upArrow">
+            <a:avLst/>
+          </a:prstGeom>
+          <a:solidFill>
+            <a:srgbClr val="800000"/>
+          </a:solidFill>
+          <a:ln>
+            <a:noFill/>
+          </a:ln>
+        </p:spPr>
+        <p:style>
+          <a:lnRef idx="1">
+            <a:schemeClr val="accent1"/>
+          </a:lnRef>
+          <a:fillRef idx="3">
+            <a:schemeClr val="accent1"/>
+          </a:fillRef>
+          <a:effectRef idx="2">
+            <a:schemeClr val="accent1"/>
+          </a:effectRef>
+          <a:fontRef idx="minor">
+            <a:schemeClr val="lt1"/>
+          </a:fontRef>
+        </p:style>
+        <p:txBody>
+          <a:bodyPr rtlCol="0" anchor="ctr"/>
+          <a:lstStyle/>
+          <a:p>
+            <a:pPr algn="ctr"/>
+            <a:endParaRPr kumimoji="1" lang="ja-JP" altLang="en-US">
+              <a:solidFill>
+                <a:srgbClr val="FF0000"/>
+              </a:solidFill>
+            </a:endParaRPr>
+          </a:p>
+        </p:txBody>
+      </p:sp>
+      <p:sp>
+        <p:nvSpPr>
+          <p:cNvPr id="12" name="上矢印 11"/>
+          <p:cNvSpPr/>
+          <p:nvPr/>
+        </p:nvSpPr>
+        <p:spPr>
+          <a:xfrm>
+            <a:off x="6412907" y="4514478"/>
+            <a:ext cx="621219" cy="593647"/>
+          </a:xfrm>
+          <a:prstGeom prst="upArrow">
+            <a:avLst/>
+          </a:prstGeom>
+          <a:solidFill>
+            <a:srgbClr val="800000"/>
+          </a:solidFill>
+          <a:ln>
+            <a:noFill/>
+          </a:ln>
+        </p:spPr>
+        <p:style>
+          <a:lnRef idx="1">
+            <a:schemeClr val="accent1"/>
+          </a:lnRef>
+          <a:fillRef idx="3">
+            <a:schemeClr val="accent1"/>
+          </a:fillRef>
+          <a:effectRef idx="2">
+            <a:schemeClr val="accent1"/>
+          </a:effectRef>
+          <a:fontRef idx="minor">
+            <a:schemeClr val="lt1"/>
+          </a:fontRef>
+        </p:style>
+        <p:txBody>
+          <a:bodyPr rtlCol="0" anchor="ctr"/>
+          <a:lstStyle/>
+          <a:p>
+            <a:pPr algn="ctr"/>
+            <a:endParaRPr kumimoji="1" lang="ja-JP" altLang="en-US">
+              <a:solidFill>
+                <a:srgbClr val="FF0000"/>
+              </a:solidFill>
+            </a:endParaRPr>
+          </a:p>
+        </p:txBody>
+      </p:sp>
+      <p:sp>
+        <p:nvSpPr>
+          <p:cNvPr id="13" name="テキスト ボックス 12"/>
+          <p:cNvSpPr txBox="1"/>
+          <p:nvPr/>
+        </p:nvSpPr>
+        <p:spPr>
+          <a:xfrm>
+            <a:off x="1131999" y="5373973"/>
+            <a:ext cx="2402047" cy="584776"/>
+          </a:xfrm>
+          <a:prstGeom prst="rect">
+            <a:avLst/>
+          </a:prstGeom>
+          <a:noFill/>
+        </p:spPr>
+        <p:txBody>
+          <a:bodyPr wrap="square" rtlCol="0">
+            <a:spAutoFit/>
+          </a:bodyPr>
+          <a:lstStyle/>
+          <a:p>
+            <a:pPr algn="ctr"/>
+            <a:r>
+              <a:rPr kumimoji="1" lang="ja-JP" altLang="en-US" sz="3200" dirty="0" smtClean="0">
+                <a:solidFill>
+                  <a:srgbClr val="FF0000"/>
+                </a:solidFill>
+              </a:rPr>
+              <a:t>正解</a:t>
+            </a:r>
+            <a:endParaRPr kumimoji="1" lang="ja-JP" altLang="en-US" sz="3200" dirty="0">
+              <a:solidFill>
+                <a:srgbClr val="FF0000"/>
+              </a:solidFill>
+            </a:endParaRPr>
+          </a:p>
+        </p:txBody>
+      </p:sp>
+      <p:sp>
+        <p:nvSpPr>
+          <p:cNvPr id="14" name="テキスト ボックス 13"/>
+          <p:cNvSpPr txBox="1"/>
+          <p:nvPr/>
+        </p:nvSpPr>
+        <p:spPr>
+          <a:xfrm>
+            <a:off x="5591519" y="5357163"/>
+            <a:ext cx="2402047" cy="584776"/>
+          </a:xfrm>
+          <a:prstGeom prst="rect">
+            <a:avLst/>
+          </a:prstGeom>
+          <a:noFill/>
+        </p:spPr>
+        <p:txBody>
+          <a:bodyPr wrap="square" rtlCol="0">
+            <a:spAutoFit/>
+          </a:bodyPr>
+          <a:lstStyle/>
+          <a:p>
+            <a:pPr algn="ctr"/>
+            <a:r>
+              <a:rPr lang="ja-JP" altLang="en-US" sz="3200" dirty="0" smtClean="0">
+                <a:solidFill>
+                  <a:srgbClr val="0000FF"/>
+                </a:solidFill>
+              </a:rPr>
+              <a:t>不正解</a:t>
+            </a:r>
+            <a:endParaRPr kumimoji="1" lang="ja-JP" altLang="en-US" sz="3200" dirty="0">
+              <a:solidFill>
+                <a:srgbClr val="0000FF"/>
+              </a:solidFill>
+            </a:endParaRPr>
+          </a:p>
+        </p:txBody>
+      </p:sp>
+    </p:spTree>
+    <p:extLst>
+      <p:ext uri="{BB962C8B-B14F-4D97-AF65-F5344CB8AC3E}">
+        <p14:creationId xmlns:p14="http://schemas.microsoft.com/office/powerpoint/2010/main" val="756574243"/>
       </p:ext>
     </p:extLst>
   </p:cSld>
